--- a/book/JB/JB workshop.pptx
+++ b/book/JB/JB workshop.pptx
@@ -6,7 +6,7 @@
     <p:sldMasterId id="2147483660" r:id="rId2"/>
   </p:sldMasterIdLst>
   <p:handoutMasterIdLst>
-    <p:handoutMasterId r:id="rId24"/>
+    <p:handoutMasterId r:id="rId25"/>
   </p:handoutMasterIdLst>
   <p:sldIdLst>
     <p:sldId id="256" r:id="rId3"/>
@@ -20,16 +20,17 @@
     <p:sldId id="278" r:id="rId11"/>
     <p:sldId id="283" r:id="rId12"/>
     <p:sldId id="287" r:id="rId13"/>
-    <p:sldId id="284" r:id="rId14"/>
-    <p:sldId id="285" r:id="rId15"/>
-    <p:sldId id="286" r:id="rId16"/>
-    <p:sldId id="279" r:id="rId17"/>
-    <p:sldId id="288" r:id="rId18"/>
-    <p:sldId id="289" r:id="rId19"/>
-    <p:sldId id="290" r:id="rId20"/>
-    <p:sldId id="280" r:id="rId21"/>
-    <p:sldId id="281" r:id="rId22"/>
-    <p:sldId id="275" r:id="rId23"/>
+    <p:sldId id="291" r:id="rId14"/>
+    <p:sldId id="284" r:id="rId15"/>
+    <p:sldId id="285" r:id="rId16"/>
+    <p:sldId id="286" r:id="rId17"/>
+    <p:sldId id="279" r:id="rId18"/>
+    <p:sldId id="288" r:id="rId19"/>
+    <p:sldId id="289" r:id="rId20"/>
+    <p:sldId id="290" r:id="rId21"/>
+    <p:sldId id="280" r:id="rId22"/>
+    <p:sldId id="281" r:id="rId23"/>
+    <p:sldId id="275" r:id="rId24"/>
   </p:sldIdLst>
   <p:sldSz cx="9144000" cy="5143500" type="screen16x9"/>
   <p:notesSz cx="6858000" cy="9144000"/>
@@ -229,7 +230,7 @@
           <a:p>
             <a:fld id="{DBAE3B3E-782A-9745-8E84-372F7B6771BF}" type="datetimeFigureOut">
               <a:rPr lang="en-US" smtClean="0"/>
-              <a:t>10/16/2024</a:t>
+              <a:t>10/22/2024</a:t>
             </a:fld>
             <a:endParaRPr lang="en-US" dirty="0"/>
           </a:p>
@@ -981,7 +982,7 @@
           <a:p>
             <a:fld id="{462A2416-1570-3849-86F9-07F78746E1B2}" type="datetimeFigureOut">
               <a:rPr lang="en-US" smtClean="0"/>
-              <a:t>10/16/2024</a:t>
+              <a:t>10/22/2024</a:t>
             </a:fld>
             <a:endParaRPr lang="en-US" dirty="0"/>
           </a:p>
@@ -3112,6 +3113,93 @@
           <p:cNvPr id="2" name="Title 1">
             <a:extLst>
               <a:ext uri="{FF2B5EF4-FFF2-40B4-BE49-F238E27FC236}">
+                <a16:creationId xmlns:a16="http://schemas.microsoft.com/office/drawing/2014/main" id="{2928BA79-D73F-1131-97CD-AA0A74C288BA}"/>
+              </a:ext>
+            </a:extLst>
+          </p:cNvPr>
+          <p:cNvSpPr>
+            <a:spLocks noGrp="1"/>
+          </p:cNvSpPr>
+          <p:nvPr>
+            <p:ph type="title"/>
+          </p:nvPr>
+        </p:nvSpPr>
+        <p:spPr/>
+        <p:txBody>
+          <a:bodyPr/>
+          <a:lstStyle/>
+          <a:p>
+            <a:r>
+              <a:rPr lang="en-GB" dirty="0"/>
+              <a:t>IVO</a:t>
+            </a:r>
+            <a:endParaRPr lang="nl-NL" dirty="0"/>
+          </a:p>
+        </p:txBody>
+      </p:sp>
+      <p:sp>
+        <p:nvSpPr>
+          <p:cNvPr id="3" name="Content Placeholder 2">
+            <a:extLst>
+              <a:ext uri="{FF2B5EF4-FFF2-40B4-BE49-F238E27FC236}">
+                <a16:creationId xmlns:a16="http://schemas.microsoft.com/office/drawing/2014/main" id="{63337214-2628-CB30-B270-FA2CF2A21F05}"/>
+              </a:ext>
+            </a:extLst>
+          </p:cNvPr>
+          <p:cNvSpPr>
+            <a:spLocks noGrp="1"/>
+          </p:cNvSpPr>
+          <p:nvPr>
+            <p:ph idx="1"/>
+          </p:nvPr>
+        </p:nvSpPr>
+        <p:spPr/>
+        <p:txBody>
+          <a:bodyPr/>
+          <a:lstStyle/>
+          <a:p>
+            <a:r>
+              <a:rPr lang="nl-NL"/>
+              <a:t>https://tud-seed.github.io/betasteunpunt</a:t>
+            </a:r>
+          </a:p>
+        </p:txBody>
+      </p:sp>
+    </p:spTree>
+    <p:extLst>
+      <p:ext uri="{BB962C8B-B14F-4D97-AF65-F5344CB8AC3E}">
+        <p14:creationId xmlns:p14="http://schemas.microsoft.com/office/powerpoint/2010/main" val="4139005820"/>
+      </p:ext>
+    </p:extLst>
+  </p:cSld>
+  <p:clrMapOvr>
+    <a:masterClrMapping/>
+  </p:clrMapOvr>
+</p:sld>
+</file>
+
+<file path=ppt/slides/slide13.xml><?xml version="1.0" encoding="utf-8"?>
+<p:sld xmlns:a="http://schemas.openxmlformats.org/drawingml/2006/main" xmlns:r="http://schemas.openxmlformats.org/officeDocument/2006/relationships" xmlns:p="http://schemas.openxmlformats.org/presentationml/2006/main">
+  <p:cSld>
+    <p:spTree>
+      <p:nvGrpSpPr>
+        <p:cNvPr id="1" name=""/>
+        <p:cNvGrpSpPr/>
+        <p:nvPr/>
+      </p:nvGrpSpPr>
+      <p:grpSpPr>
+        <a:xfrm>
+          <a:off x="0" y="0"/>
+          <a:ext cx="0" cy="0"/>
+          <a:chOff x="0" y="0"/>
+          <a:chExt cx="0" cy="0"/>
+        </a:xfrm>
+      </p:grpSpPr>
+      <p:sp>
+        <p:nvSpPr>
+          <p:cNvPr id="2" name="Title 1">
+            <a:extLst>
+              <a:ext uri="{FF2B5EF4-FFF2-40B4-BE49-F238E27FC236}">
                 <a16:creationId xmlns:a16="http://schemas.microsoft.com/office/drawing/2014/main" id="{A1D45416-8991-36E8-6B49-719A8F4A1E7F}"/>
               </a:ext>
             </a:extLst>
@@ -3881,7 +3969,7 @@
 </p:sld>
 </file>
 
-<file path=ppt/slides/slide13.xml><?xml version="1.0" encoding="utf-8"?>
+<file path=ppt/slides/slide14.xml><?xml version="1.0" encoding="utf-8"?>
 <p:sld xmlns:a="http://schemas.openxmlformats.org/drawingml/2006/main" xmlns:r="http://schemas.openxmlformats.org/officeDocument/2006/relationships" xmlns:p="http://schemas.openxmlformats.org/presentationml/2006/main">
   <p:cSld>
     <p:spTree>
@@ -4001,7 +4089,7 @@
 </p:sld>
 </file>
 
-<file path=ppt/slides/slide14.xml><?xml version="1.0" encoding="utf-8"?>
+<file path=ppt/slides/slide15.xml><?xml version="1.0" encoding="utf-8"?>
 <p:sld xmlns:a="http://schemas.openxmlformats.org/drawingml/2006/main" xmlns:r="http://schemas.openxmlformats.org/officeDocument/2006/relationships" xmlns:p="http://schemas.openxmlformats.org/presentationml/2006/main">
   <p:cSld>
     <p:spTree>
@@ -4143,7 +4231,7 @@
 </p:sld>
 </file>
 
-<file path=ppt/slides/slide15.xml><?xml version="1.0" encoding="utf-8"?>
+<file path=ppt/slides/slide16.xml><?xml version="1.0" encoding="utf-8"?>
 <p:sld xmlns:a="http://schemas.openxmlformats.org/drawingml/2006/main" xmlns:r="http://schemas.openxmlformats.org/officeDocument/2006/relationships" xmlns:p="http://schemas.openxmlformats.org/presentationml/2006/main">
   <p:cSld>
     <p:spTree>
@@ -4231,7 +4319,7 @@
 </p:sld>
 </file>
 
-<file path=ppt/slides/slide16.xml><?xml version="1.0" encoding="utf-8"?>
+<file path=ppt/slides/slide17.xml><?xml version="1.0" encoding="utf-8"?>
 <p:sld xmlns:a="http://schemas.openxmlformats.org/drawingml/2006/main" xmlns:r="http://schemas.openxmlformats.org/officeDocument/2006/relationships" xmlns:p="http://schemas.openxmlformats.org/presentationml/2006/main">
   <p:cSld>
     <p:spTree>
@@ -4423,7 +4511,7 @@
 </p:sld>
 </file>
 
-<file path=ppt/slides/slide17.xml><?xml version="1.0" encoding="utf-8"?>
+<file path=ppt/slides/slide18.xml><?xml version="1.0" encoding="utf-8"?>
 <p:sld xmlns:a="http://schemas.openxmlformats.org/drawingml/2006/main" xmlns:r="http://schemas.openxmlformats.org/officeDocument/2006/relationships" xmlns:p="http://schemas.openxmlformats.org/presentationml/2006/main">
   <p:cSld>
     <p:spTree>
@@ -4503,7 +4591,7 @@
 </p:sld>
 </file>
 
-<file path=ppt/slides/slide18.xml><?xml version="1.0" encoding="utf-8"?>
+<file path=ppt/slides/slide19.xml><?xml version="1.0" encoding="utf-8"?>
 <p:sld xmlns:a="http://schemas.openxmlformats.org/drawingml/2006/main" xmlns:r="http://schemas.openxmlformats.org/officeDocument/2006/relationships" xmlns:p="http://schemas.openxmlformats.org/presentationml/2006/main">
   <p:cSld>
     <p:spTree>
@@ -4574,90 +4662,6 @@
     <p:extLst>
       <p:ext uri="{BB962C8B-B14F-4D97-AF65-F5344CB8AC3E}">
         <p14:creationId xmlns:p14="http://schemas.microsoft.com/office/powerpoint/2010/main" val="4053415856"/>
-      </p:ext>
-    </p:extLst>
-  </p:cSld>
-  <p:clrMapOvr>
-    <a:masterClrMapping/>
-  </p:clrMapOvr>
-</p:sld>
-</file>
-
-<file path=ppt/slides/slide19.xml><?xml version="1.0" encoding="utf-8"?>
-<p:sld xmlns:a="http://schemas.openxmlformats.org/drawingml/2006/main" xmlns:r="http://schemas.openxmlformats.org/officeDocument/2006/relationships" xmlns:p="http://schemas.openxmlformats.org/presentationml/2006/main">
-  <p:cSld>
-    <p:spTree>
-      <p:nvGrpSpPr>
-        <p:cNvPr id="1" name=""/>
-        <p:cNvGrpSpPr/>
-        <p:nvPr/>
-      </p:nvGrpSpPr>
-      <p:grpSpPr>
-        <a:xfrm>
-          <a:off x="0" y="0"/>
-          <a:ext cx="0" cy="0"/>
-          <a:chOff x="0" y="0"/>
-          <a:chExt cx="0" cy="0"/>
-        </a:xfrm>
-      </p:grpSpPr>
-      <p:sp>
-        <p:nvSpPr>
-          <p:cNvPr id="2" name="Title 1">
-            <a:extLst>
-              <a:ext uri="{FF2B5EF4-FFF2-40B4-BE49-F238E27FC236}">
-                <a16:creationId xmlns:a16="http://schemas.microsoft.com/office/drawing/2014/main" id="{3665DEB3-DACF-6315-0470-76C185378EBA}"/>
-              </a:ext>
-            </a:extLst>
-          </p:cNvPr>
-          <p:cNvSpPr>
-            <a:spLocks noGrp="1"/>
-          </p:cNvSpPr>
-          <p:nvPr>
-            <p:ph type="title"/>
-          </p:nvPr>
-        </p:nvSpPr>
-        <p:spPr/>
-        <p:txBody>
-          <a:bodyPr/>
-          <a:lstStyle/>
-          <a:p>
-            <a:endParaRPr lang="nl-NL"/>
-          </a:p>
-        </p:txBody>
-      </p:sp>
-      <p:pic>
-        <p:nvPicPr>
-          <p:cNvPr id="4" name="Content Placeholder 4">
-            <a:extLst>
-              <a:ext uri="{FF2B5EF4-FFF2-40B4-BE49-F238E27FC236}">
-                <a16:creationId xmlns:a16="http://schemas.microsoft.com/office/drawing/2014/main" id="{4C0C5697-35BE-6D6C-D441-107CB41E6636}"/>
-              </a:ext>
-            </a:extLst>
-          </p:cNvPr>
-          <p:cNvPicPr>
-            <a:picLocks noGrp="1" noChangeAspect="1"/>
-          </p:cNvPicPr>
-          <p:nvPr>
-            <p:ph idx="1"/>
-          </p:nvPr>
-        </p:nvPicPr>
-        <p:blipFill>
-          <a:blip r:embed="rId2"/>
-          <a:stretch>
-            <a:fillRect/>
-          </a:stretch>
-        </p:blipFill>
-        <p:spPr>
-          <a:xfrm>
-            <a:off x="1763713" y="1399337"/>
-            <a:ext cx="7105650" cy="3087775"/>
-          </a:xfrm>
-        </p:spPr>
-      </p:pic>
-    </p:spTree>
-    <p:extLst>
-      <p:ext uri="{BB962C8B-B14F-4D97-AF65-F5344CB8AC3E}">
-        <p14:creationId xmlns:p14="http://schemas.microsoft.com/office/powerpoint/2010/main" val="3509270207"/>
       </p:ext>
     </p:extLst>
   </p:cSld>
@@ -5260,6 +5264,90 @@
           <p:cNvPr id="2" name="Title 1">
             <a:extLst>
               <a:ext uri="{FF2B5EF4-FFF2-40B4-BE49-F238E27FC236}">
+                <a16:creationId xmlns:a16="http://schemas.microsoft.com/office/drawing/2014/main" id="{3665DEB3-DACF-6315-0470-76C185378EBA}"/>
+              </a:ext>
+            </a:extLst>
+          </p:cNvPr>
+          <p:cNvSpPr>
+            <a:spLocks noGrp="1"/>
+          </p:cNvSpPr>
+          <p:nvPr>
+            <p:ph type="title"/>
+          </p:nvPr>
+        </p:nvSpPr>
+        <p:spPr/>
+        <p:txBody>
+          <a:bodyPr/>
+          <a:lstStyle/>
+          <a:p>
+            <a:endParaRPr lang="nl-NL"/>
+          </a:p>
+        </p:txBody>
+      </p:sp>
+      <p:pic>
+        <p:nvPicPr>
+          <p:cNvPr id="4" name="Content Placeholder 4">
+            <a:extLst>
+              <a:ext uri="{FF2B5EF4-FFF2-40B4-BE49-F238E27FC236}">
+                <a16:creationId xmlns:a16="http://schemas.microsoft.com/office/drawing/2014/main" id="{4C0C5697-35BE-6D6C-D441-107CB41E6636}"/>
+              </a:ext>
+            </a:extLst>
+          </p:cNvPr>
+          <p:cNvPicPr>
+            <a:picLocks noGrp="1" noChangeAspect="1"/>
+          </p:cNvPicPr>
+          <p:nvPr>
+            <p:ph idx="1"/>
+          </p:nvPr>
+        </p:nvPicPr>
+        <p:blipFill>
+          <a:blip r:embed="rId2"/>
+          <a:stretch>
+            <a:fillRect/>
+          </a:stretch>
+        </p:blipFill>
+        <p:spPr>
+          <a:xfrm>
+            <a:off x="1763713" y="1399337"/>
+            <a:ext cx="7105650" cy="3087775"/>
+          </a:xfrm>
+        </p:spPr>
+      </p:pic>
+    </p:spTree>
+    <p:extLst>
+      <p:ext uri="{BB962C8B-B14F-4D97-AF65-F5344CB8AC3E}">
+        <p14:creationId xmlns:p14="http://schemas.microsoft.com/office/powerpoint/2010/main" val="3509270207"/>
+      </p:ext>
+    </p:extLst>
+  </p:cSld>
+  <p:clrMapOvr>
+    <a:masterClrMapping/>
+  </p:clrMapOvr>
+</p:sld>
+</file>
+
+<file path=ppt/slides/slide21.xml><?xml version="1.0" encoding="utf-8"?>
+<p:sld xmlns:a="http://schemas.openxmlformats.org/drawingml/2006/main" xmlns:r="http://schemas.openxmlformats.org/officeDocument/2006/relationships" xmlns:p="http://schemas.openxmlformats.org/presentationml/2006/main">
+  <p:cSld>
+    <p:spTree>
+      <p:nvGrpSpPr>
+        <p:cNvPr id="1" name=""/>
+        <p:cNvGrpSpPr/>
+        <p:nvPr/>
+      </p:nvGrpSpPr>
+      <p:grpSpPr>
+        <a:xfrm>
+          <a:off x="0" y="0"/>
+          <a:ext cx="0" cy="0"/>
+          <a:chOff x="0" y="0"/>
+          <a:chExt cx="0" cy="0"/>
+        </a:xfrm>
+      </p:grpSpPr>
+      <p:sp>
+        <p:nvSpPr>
+          <p:cNvPr id="2" name="Title 1">
+            <a:extLst>
+              <a:ext uri="{FF2B5EF4-FFF2-40B4-BE49-F238E27FC236}">
                 <a16:creationId xmlns:a16="http://schemas.microsoft.com/office/drawing/2014/main" id="{6DC5F8A9-1DD6-00DE-1C14-4F1835817DDD}"/>
               </a:ext>
             </a:extLst>
@@ -5322,7 +5410,7 @@
 </p:sld>
 </file>
 
-<file path=ppt/slides/slide21.xml><?xml version="1.0" encoding="utf-8"?>
+<file path=ppt/slides/slide22.xml><?xml version="1.0" encoding="utf-8"?>
 <p:sld xmlns:a="http://schemas.openxmlformats.org/drawingml/2006/main" xmlns:r="http://schemas.openxmlformats.org/officeDocument/2006/relationships" xmlns:p="http://schemas.openxmlformats.org/presentationml/2006/main">
   <p:cSld>
     <p:spTree>

--- a/book/JB/JB workshop.pptx
+++ b/book/JB/JB workshop.pptx
@@ -231,7 +231,7 @@
           <a:p>
             <a:fld id="{DBAE3B3E-782A-9745-8E84-372F7B6771BF}" type="datetimeFigureOut">
               <a:rPr lang="en-US" smtClean="0"/>
-              <a:t>11/20/2024</a:t>
+              <a:t>11/25/2024</a:t>
             </a:fld>
             <a:endParaRPr lang="en-US" dirty="0"/>
           </a:p>
@@ -983,7 +983,7 @@
           <a:p>
             <a:fld id="{462A2416-1570-3849-86F9-07F78746E1B2}" type="datetimeFigureOut">
               <a:rPr lang="en-US" smtClean="0"/>
-              <a:t>11/20/2024</a:t>
+              <a:t>11/25/2024</a:t>
             </a:fld>
             <a:endParaRPr lang="en-US" dirty="0"/>
           </a:p>
@@ -6119,29 +6119,73 @@
           <a:bodyPr/>
           <a:lstStyle/>
           <a:p>
-            <a:endParaRPr lang="nl-NL"/>
+            <a:r>
+              <a:rPr lang="en-GB" dirty="0"/>
+              <a:t>5 dec</a:t>
+            </a:r>
+            <a:endParaRPr lang="nl-NL" dirty="0"/>
           </a:p>
         </p:txBody>
       </p:sp>
-      <p:sp>
-        <p:nvSpPr>
-          <p:cNvPr id="3" name="Tijdelijke aanduiding voor inhoud 2"/>
-          <p:cNvSpPr>
-            <a:spLocks noGrp="1"/>
-          </p:cNvSpPr>
+      <p:pic>
+        <p:nvPicPr>
+          <p:cNvPr id="5" name="Content Placeholder 4">
+            <a:extLst>
+              <a:ext uri="{FF2B5EF4-FFF2-40B4-BE49-F238E27FC236}">
+                <a16:creationId xmlns:a16="http://schemas.microsoft.com/office/drawing/2014/main" id="{F75A228D-5067-F721-3A9C-FD4DD2D1530D}"/>
+              </a:ext>
+            </a:extLst>
+          </p:cNvPr>
+          <p:cNvPicPr>
+            <a:picLocks noGrp="1" noChangeAspect="1"/>
+          </p:cNvPicPr>
           <p:nvPr>
             <p:ph idx="1"/>
           </p:nvPr>
-        </p:nvSpPr>
-        <p:spPr/>
-        <p:txBody>
-          <a:bodyPr/>
-          <a:lstStyle/>
-          <a:p>
-            <a:endParaRPr lang="nl-NL"/>
-          </a:p>
-        </p:txBody>
-      </p:sp>
+        </p:nvPicPr>
+        <p:blipFill>
+          <a:blip r:embed="rId2"/>
+          <a:stretch>
+            <a:fillRect/>
+          </a:stretch>
+        </p:blipFill>
+        <p:spPr>
+          <a:xfrm>
+            <a:off x="1763713" y="1504617"/>
+            <a:ext cx="7105650" cy="2877216"/>
+          </a:xfrm>
+        </p:spPr>
+      </p:pic>
+      <p:pic>
+        <p:nvPicPr>
+          <p:cNvPr id="7" name="Picture 6">
+            <a:extLst>
+              <a:ext uri="{FF2B5EF4-FFF2-40B4-BE49-F238E27FC236}">
+                <a16:creationId xmlns:a16="http://schemas.microsoft.com/office/drawing/2014/main" id="{0F14AC69-9CB7-122C-E579-298451F974B5}"/>
+              </a:ext>
+            </a:extLst>
+          </p:cNvPr>
+          <p:cNvPicPr>
+            <a:picLocks noChangeAspect="1"/>
+          </p:cNvPicPr>
+          <p:nvPr/>
+        </p:nvPicPr>
+        <p:blipFill>
+          <a:blip r:embed="rId3"/>
+          <a:stretch>
+            <a:fillRect/>
+          </a:stretch>
+        </p:blipFill>
+        <p:spPr>
+          <a:xfrm>
+            <a:off x="6427787" y="2943225"/>
+            <a:ext cx="2211332" cy="2200275"/>
+          </a:xfrm>
+          <a:prstGeom prst="rect">
+            <a:avLst/>
+          </a:prstGeom>
+        </p:spPr>
+      </p:pic>
     </p:spTree>
     <p:extLst>
       <p:ext uri="{BB962C8B-B14F-4D97-AF65-F5344CB8AC3E}">
